--- a/1-html-css/05. 반응형 레이아웃.pptx
+++ b/1-html-css/05. 반응형 레이아웃.pptx
@@ -5,7 +5,7 @@
     <p:sldMasterId id="2147483648" r:id="rId1"/>
   </p:sldMasterIdLst>
   <p:notesMasterIdLst>
-    <p:notesMasterId r:id="rId15"/>
+    <p:notesMasterId r:id="rId16"/>
   </p:notesMasterIdLst>
   <p:sldIdLst>
     <p:sldId id="256" r:id="rId2"/>
@@ -21,6 +21,7 @@
     <p:sldId id="302" r:id="rId12"/>
     <p:sldId id="303" r:id="rId13"/>
     <p:sldId id="304" r:id="rId14"/>
+    <p:sldId id="305" r:id="rId15"/>
   </p:sldIdLst>
   <p:sldSz cx="9144000" cy="6858000" type="screen4x3"/>
   <p:notesSz cx="6858000" cy="9144000"/>
@@ -220,7 +221,7 @@
           <a:p>
             <a:fld id="{47F3EC72-80C7-4057-A028-5BECAFD3AD00}" type="datetimeFigureOut">
               <a:rPr lang="ko-KR" altLang="en-US" smtClean="0"/>
-              <a:t>2021-07-13</a:t>
+              <a:t>2021-07-14</a:t>
             </a:fld>
             <a:endParaRPr lang="ko-KR" altLang="en-US"/>
           </a:p>
@@ -1342,7 +1343,7 @@
             <a:fld id="{1879488F-3623-45BC-9557-A09A3AFFDD11}" type="datetimeFigureOut">
               <a:rPr lang="ko-KR" altLang="en-US" smtClean="0"/>
               <a:pPr/>
-              <a:t>2021-07-13</a:t>
+              <a:t>2021-07-14</a:t>
             </a:fld>
             <a:endParaRPr lang="ko-KR" altLang="en-US"/>
           </a:p>
@@ -1509,7 +1510,7 @@
             <a:fld id="{1879488F-3623-45BC-9557-A09A3AFFDD11}" type="datetimeFigureOut">
               <a:rPr lang="ko-KR" altLang="en-US" smtClean="0"/>
               <a:pPr/>
-              <a:t>2021-07-13</a:t>
+              <a:t>2021-07-14</a:t>
             </a:fld>
             <a:endParaRPr lang="ko-KR" altLang="en-US"/>
           </a:p>
@@ -1686,7 +1687,7 @@
             <a:fld id="{1879488F-3623-45BC-9557-A09A3AFFDD11}" type="datetimeFigureOut">
               <a:rPr lang="ko-KR" altLang="en-US" smtClean="0"/>
               <a:pPr/>
-              <a:t>2021-07-13</a:t>
+              <a:t>2021-07-14</a:t>
             </a:fld>
             <a:endParaRPr lang="ko-KR" altLang="en-US"/>
           </a:p>
@@ -1853,7 +1854,7 @@
             <a:fld id="{1879488F-3623-45BC-9557-A09A3AFFDD11}" type="datetimeFigureOut">
               <a:rPr lang="ko-KR" altLang="en-US" smtClean="0"/>
               <a:pPr/>
-              <a:t>2021-07-13</a:t>
+              <a:t>2021-07-14</a:t>
             </a:fld>
             <a:endParaRPr lang="ko-KR" altLang="en-US"/>
           </a:p>
@@ -2096,7 +2097,7 @@
             <a:fld id="{1879488F-3623-45BC-9557-A09A3AFFDD11}" type="datetimeFigureOut">
               <a:rPr lang="ko-KR" altLang="en-US" smtClean="0"/>
               <a:pPr/>
-              <a:t>2021-07-13</a:t>
+              <a:t>2021-07-14</a:t>
             </a:fld>
             <a:endParaRPr lang="ko-KR" altLang="en-US"/>
           </a:p>
@@ -2381,7 +2382,7 @@
             <a:fld id="{1879488F-3623-45BC-9557-A09A3AFFDD11}" type="datetimeFigureOut">
               <a:rPr lang="ko-KR" altLang="en-US" smtClean="0"/>
               <a:pPr/>
-              <a:t>2021-07-13</a:t>
+              <a:t>2021-07-14</a:t>
             </a:fld>
             <a:endParaRPr lang="ko-KR" altLang="en-US"/>
           </a:p>
@@ -2800,7 +2801,7 @@
             <a:fld id="{1879488F-3623-45BC-9557-A09A3AFFDD11}" type="datetimeFigureOut">
               <a:rPr lang="ko-KR" altLang="en-US" smtClean="0"/>
               <a:pPr/>
-              <a:t>2021-07-13</a:t>
+              <a:t>2021-07-14</a:t>
             </a:fld>
             <a:endParaRPr lang="ko-KR" altLang="en-US"/>
           </a:p>
@@ -2915,7 +2916,7 @@
             <a:fld id="{1879488F-3623-45BC-9557-A09A3AFFDD11}" type="datetimeFigureOut">
               <a:rPr lang="ko-KR" altLang="en-US" smtClean="0"/>
               <a:pPr/>
-              <a:t>2021-07-13</a:t>
+              <a:t>2021-07-14</a:t>
             </a:fld>
             <a:endParaRPr lang="ko-KR" altLang="en-US"/>
           </a:p>
@@ -3007,7 +3008,7 @@
             <a:fld id="{1879488F-3623-45BC-9557-A09A3AFFDD11}" type="datetimeFigureOut">
               <a:rPr lang="ko-KR" altLang="en-US" smtClean="0"/>
               <a:pPr/>
-              <a:t>2021-07-13</a:t>
+              <a:t>2021-07-14</a:t>
             </a:fld>
             <a:endParaRPr lang="ko-KR" altLang="en-US"/>
           </a:p>
@@ -3281,7 +3282,7 @@
             <a:fld id="{1879488F-3623-45BC-9557-A09A3AFFDD11}" type="datetimeFigureOut">
               <a:rPr lang="ko-KR" altLang="en-US" smtClean="0"/>
               <a:pPr/>
-              <a:t>2021-07-13</a:t>
+              <a:t>2021-07-14</a:t>
             </a:fld>
             <a:endParaRPr lang="ko-KR" altLang="en-US"/>
           </a:p>
@@ -3531,7 +3532,7 @@
             <a:fld id="{1879488F-3623-45BC-9557-A09A3AFFDD11}" type="datetimeFigureOut">
               <a:rPr lang="ko-KR" altLang="en-US" smtClean="0"/>
               <a:pPr/>
-              <a:t>2021-07-13</a:t>
+              <a:t>2021-07-14</a:t>
             </a:fld>
             <a:endParaRPr lang="ko-KR" altLang="en-US"/>
           </a:p>
@@ -3741,7 +3742,7 @@
             <a:fld id="{1879488F-3623-45BC-9557-A09A3AFFDD11}" type="datetimeFigureOut">
               <a:rPr lang="ko-KR" altLang="en-US" smtClean="0"/>
               <a:pPr/>
-              <a:t>2021-07-13</a:t>
+              <a:t>2021-07-14</a:t>
             </a:fld>
             <a:endParaRPr lang="ko-KR" altLang="en-US"/>
           </a:p>
@@ -4129,11 +4130,7 @@
           <a:p>
             <a:r>
               <a:rPr lang="en-US" altLang="ko-KR" dirty="0" smtClean="0"/>
-              <a:t>5.</a:t>
-            </a:r>
-            <a:r>
-              <a:rPr lang="en-US" altLang="ko-KR" dirty="0" smtClean="0"/>
-              <a:t> </a:t>
+              <a:t>5. </a:t>
             </a:r>
             <a:r>
               <a:rPr lang="ko-KR" altLang="en-US" dirty="0" err="1" smtClean="0"/>
@@ -4615,6 +4612,207 @@
     <p:extLst>
       <p:ext uri="{BB962C8B-B14F-4D97-AF65-F5344CB8AC3E}">
         <p14:creationId xmlns:p14="http://schemas.microsoft.com/office/powerpoint/2010/main" val="3648123208"/>
+      </p:ext>
+    </p:extLst>
+  </p:cSld>
+  <p:clrMapOvr>
+    <a:masterClrMapping/>
+  </p:clrMapOvr>
+</p:sld>
+</file>
+
+<file path=ppt/slides/slide14.xml><?xml version="1.0" encoding="utf-8"?>
+<p:sld xmlns:a="http://schemas.openxmlformats.org/drawingml/2006/main" xmlns:r="http://schemas.openxmlformats.org/officeDocument/2006/relationships" xmlns:p="http://schemas.openxmlformats.org/presentationml/2006/main">
+  <p:cSld>
+    <p:spTree>
+      <p:nvGrpSpPr>
+        <p:cNvPr id="1" name=""/>
+        <p:cNvGrpSpPr/>
+        <p:nvPr/>
+      </p:nvGrpSpPr>
+      <p:grpSpPr>
+        <a:xfrm>
+          <a:off x="0" y="0"/>
+          <a:ext cx="0" cy="0"/>
+          <a:chOff x="0" y="0"/>
+          <a:chExt cx="0" cy="0"/>
+        </a:xfrm>
+      </p:grpSpPr>
+      <p:sp>
+        <p:nvSpPr>
+          <p:cNvPr id="4" name="제목 3"/>
+          <p:cNvSpPr>
+            <a:spLocks noGrp="1"/>
+          </p:cNvSpPr>
+          <p:nvPr>
+            <p:ph type="title"/>
+          </p:nvPr>
+        </p:nvSpPr>
+        <p:spPr/>
+        <p:txBody>
+          <a:bodyPr/>
+          <a:lstStyle/>
+          <a:p>
+            <a:r>
+              <a:rPr lang="ko-KR" altLang="en-US" dirty="0" smtClean="0"/>
+              <a:t>참고자료</a:t>
+            </a:r>
+            <a:endParaRPr lang="ko-KR" altLang="en-US" dirty="0"/>
+          </a:p>
+        </p:txBody>
+      </p:sp>
+      <p:sp>
+        <p:nvSpPr>
+          <p:cNvPr id="5" name="내용 개체 틀 4"/>
+          <p:cNvSpPr>
+            <a:spLocks noGrp="1"/>
+          </p:cNvSpPr>
+          <p:nvPr>
+            <p:ph idx="1"/>
+          </p:nvPr>
+        </p:nvSpPr>
+        <p:spPr/>
+        <p:txBody>
+          <a:bodyPr/>
+          <a:lstStyle/>
+          <a:p>
+            <a:r>
+              <a:rPr lang="en-US" altLang="ko-KR" u="sng" dirty="0">
+                <a:solidFill>
+                  <a:schemeClr val="hlink"/>
+                </a:solidFill>
+                <a:hlinkClick r:id="rId2"/>
+              </a:rPr>
+              <a:t>https://</a:t>
+            </a:r>
+            <a:r>
+              <a:rPr lang="en-US" altLang="ko-KR" u="sng" dirty="0" err="1">
+                <a:solidFill>
+                  <a:schemeClr val="hlink"/>
+                </a:solidFill>
+                <a:hlinkClick r:id="rId2"/>
+              </a:rPr>
+              <a:t>developer.mozilla.org</a:t>
+            </a:r>
+            <a:r>
+              <a:rPr lang="en-US" altLang="ko-KR" u="sng" dirty="0">
+                <a:solidFill>
+                  <a:schemeClr val="hlink"/>
+                </a:solidFill>
+                <a:hlinkClick r:id="rId2"/>
+              </a:rPr>
+              <a:t>/</a:t>
+            </a:r>
+            <a:r>
+              <a:rPr lang="en-US" altLang="ko-KR" u="sng" dirty="0" err="1">
+                <a:solidFill>
+                  <a:schemeClr val="hlink"/>
+                </a:solidFill>
+                <a:hlinkClick r:id="rId2"/>
+              </a:rPr>
+              <a:t>ko</a:t>
+            </a:r>
+            <a:r>
+              <a:rPr lang="en-US" altLang="ko-KR" u="sng" dirty="0">
+                <a:solidFill>
+                  <a:schemeClr val="hlink"/>
+                </a:solidFill>
+                <a:hlinkClick r:id="rId2"/>
+              </a:rPr>
+              <a:t>/docs/Web/</a:t>
+            </a:r>
+            <a:r>
+              <a:rPr lang="en-US" altLang="ko-KR" u="sng" dirty="0" err="1">
+                <a:solidFill>
+                  <a:schemeClr val="hlink"/>
+                </a:solidFill>
+                <a:hlinkClick r:id="rId2"/>
+              </a:rPr>
+              <a:t>CSS</a:t>
+            </a:r>
+            <a:r>
+              <a:rPr lang="en-US" altLang="ko-KR" u="sng" dirty="0">
+                <a:solidFill>
+                  <a:schemeClr val="hlink"/>
+                </a:solidFill>
+                <a:hlinkClick r:id="rId2"/>
+              </a:rPr>
+              <a:t>/</a:t>
+            </a:r>
+            <a:r>
+              <a:rPr lang="en-US" altLang="ko-KR" u="sng" dirty="0" err="1">
+                <a:solidFill>
+                  <a:schemeClr val="hlink"/>
+                </a:solidFill>
+                <a:hlinkClick r:id="rId2"/>
+              </a:rPr>
+              <a:t>CSS_Flexible_Box_Layout</a:t>
+            </a:r>
+            <a:r>
+              <a:rPr lang="en-US" altLang="ko-KR" u="sng" dirty="0">
+                <a:solidFill>
+                  <a:schemeClr val="hlink"/>
+                </a:solidFill>
+                <a:hlinkClick r:id="rId2"/>
+              </a:rPr>
+              <a:t>/</a:t>
+            </a:r>
+            <a:r>
+              <a:rPr lang="en-US" altLang="ko-KR" u="sng" dirty="0" err="1">
+                <a:solidFill>
+                  <a:schemeClr val="hlink"/>
+                </a:solidFill>
+                <a:hlinkClick r:id="rId2"/>
+              </a:rPr>
+              <a:t>Flexbox%EC%9D%98</a:t>
+            </a:r>
+            <a:r>
+              <a:rPr lang="en-US" altLang="ko-KR" u="sng" dirty="0">
+                <a:solidFill>
+                  <a:schemeClr val="hlink"/>
+                </a:solidFill>
+                <a:hlinkClick r:id="rId2"/>
+              </a:rPr>
+              <a:t>_%</a:t>
+            </a:r>
+            <a:r>
+              <a:rPr lang="en-US" altLang="ko-KR" u="sng" dirty="0" err="1">
+                <a:solidFill>
+                  <a:schemeClr val="hlink"/>
+                </a:solidFill>
+                <a:hlinkClick r:id="rId2"/>
+              </a:rPr>
+              <a:t>EA%B8%B0%EB%B3%B8</a:t>
+            </a:r>
+            <a:r>
+              <a:rPr lang="en-US" altLang="ko-KR" u="sng" dirty="0">
+                <a:solidFill>
+                  <a:schemeClr val="hlink"/>
+                </a:solidFill>
+                <a:hlinkClick r:id="rId2"/>
+              </a:rPr>
+              <a:t>_%</a:t>
+            </a:r>
+            <a:r>
+              <a:rPr lang="en-US" altLang="ko-KR" u="sng" dirty="0" err="1">
+                <a:solidFill>
+                  <a:schemeClr val="hlink"/>
+                </a:solidFill>
+                <a:hlinkClick r:id="rId2"/>
+              </a:rPr>
+              <a:t>EA%B0%9C%EB%85%90</a:t>
+            </a:r>
+            <a:endParaRPr lang="en-US" altLang="ko-KR" dirty="0"/>
+          </a:p>
+          <a:p>
+            <a:endParaRPr lang="ko-KR" altLang="en-US" dirty="0"/>
+          </a:p>
+        </p:txBody>
+      </p:sp>
+    </p:spTree>
+    <p:extLst>
+      <p:ext uri="{BB962C8B-B14F-4D97-AF65-F5344CB8AC3E}">
+        <p14:creationId xmlns:p14="http://schemas.microsoft.com/office/powerpoint/2010/main" val="1481872472"/>
       </p:ext>
     </p:extLst>
   </p:cSld>
